--- a/Angular JS - Workshop.pptx
+++ b/Angular JS - Workshop.pptx
@@ -18,11 +18,12 @@
     <p:sldId id="264" r:id="rId12"/>
     <p:sldId id="265" r:id="rId13"/>
     <p:sldId id="266" r:id="rId14"/>
-    <p:sldId id="268" r:id="rId15"/>
-    <p:sldId id="273" r:id="rId16"/>
-    <p:sldId id="270" r:id="rId17"/>
-    <p:sldId id="271" r:id="rId18"/>
-    <p:sldId id="272" r:id="rId19"/>
+    <p:sldId id="274" r:id="rId15"/>
+    <p:sldId id="268" r:id="rId16"/>
+    <p:sldId id="273" r:id="rId17"/>
+    <p:sldId id="270" r:id="rId18"/>
+    <p:sldId id="271" r:id="rId19"/>
+    <p:sldId id="272" r:id="rId20"/>
   </p:sldIdLst>
   <p:sldSz cx="12192000" cy="6858000"/>
   <p:notesSz cx="6858000" cy="9144000"/>
@@ -3637,7 +3638,23 @@
                   <a:schemeClr val="tx1"/>
                 </a:solidFill>
               </a:rPr>
-              <a:t>In Views ,use variables created in controller method. </a:t>
+              <a:t>In Views ,use </a:t>
+            </a:r>
+            <a:r>
+              <a:rPr lang="en-US" sz="2400" dirty="0" smtClean="0">
+                <a:solidFill>
+                  <a:schemeClr val="tx1"/>
+                </a:solidFill>
+              </a:rPr>
+              <a:t>scope variables </a:t>
+            </a:r>
+            <a:r>
+              <a:rPr lang="en-US" sz="2400" dirty="0">
+                <a:solidFill>
+                  <a:schemeClr val="tx1"/>
+                </a:solidFill>
+              </a:rPr>
+              <a:t>created in controller method. </a:t>
             </a:r>
           </a:p>
         </p:txBody>
@@ -3655,6 +3672,13 @@
   <p:transition spd="slow">
     <p:push dir="u"/>
   </p:transition>
+  <p:timing>
+    <p:tnLst>
+      <p:par>
+        <p:cTn id="1" dur="indefinite" restart="never" nodeType="tmRoot"/>
+      </p:par>
+    </p:tnLst>
+  </p:timing>
 </p:sld>
 </file>
 
@@ -3859,6 +3883,13 @@
   <p:transition spd="slow">
     <p:push dir="u"/>
   </p:transition>
+  <p:timing>
+    <p:tnLst>
+      <p:par>
+        <p:cTn id="1" dur="indefinite" restart="never" nodeType="tmRoot"/>
+      </p:par>
+    </p:tnLst>
+  </p:timing>
 </p:sld>
 </file>
 
@@ -3965,6 +3996,13 @@
   <p:transition spd="slow">
     <p:push dir="u"/>
   </p:transition>
+  <p:timing>
+    <p:tnLst>
+      <p:par>
+        <p:cTn id="1" dur="indefinite" restart="never" nodeType="tmRoot"/>
+      </p:par>
+    </p:tnLst>
+  </p:timing>
 </p:sld>
 </file>
 
@@ -4254,9 +4292,10 @@
           <a:lstStyle/>
           <a:p>
             <a:r>
-              <a:rPr lang="en-US" dirty="0"/>
-              <a:t>How to invoke APIs</a:t>
-            </a:r>
+              <a:rPr lang="en-US" dirty="0" smtClean="0"/>
+              <a:t>Implementing Routing in single page application</a:t>
+            </a:r>
+            <a:endParaRPr lang="en-US" dirty="0"/>
           </a:p>
         </p:txBody>
       </p:sp>
@@ -4281,44 +4320,36 @@
                   <a:schemeClr val="tx1"/>
                 </a:solidFill>
               </a:rPr>
-              <a:t>In Angular JS factory is the most common way to create and configure a service.</a:t>
-            </a:r>
-          </a:p>
-          <a:p>
+              <a:t>Fork Repository </a:t>
+            </a:r>
             <a:r>
               <a:rPr lang="en-US" sz="2400" dirty="0">
-                <a:solidFill>
-                  <a:schemeClr val="tx1"/>
-                </a:solidFill>
-              </a:rPr>
-              <a:t>We create an object and add properties to it and later we will return the same object.</a:t>
-            </a:r>
-          </a:p>
-          <a:p>
-            <a:r>
-              <a:rPr lang="en-US" sz="2400" dirty="0">
-                <a:solidFill>
-                  <a:schemeClr val="tx1"/>
-                </a:solidFill>
-              </a:rPr>
-              <a:t>In our case the properties would be the methods that call the API’s</a:t>
-            </a:r>
-          </a:p>
-          <a:p>
-            <a:pPr marL="0" indent="0">
-              <a:buNone/>
-            </a:pPr>
-            <a:endParaRPr lang="en-US" dirty="0"/>
-          </a:p>
-          <a:p>
-            <a:endParaRPr lang="en-US" dirty="0"/>
+                <a:hlinkClick r:id="rId2"/>
+              </a:rPr>
+              <a:t>https://</a:t>
+            </a:r>
+            <a:r>
+              <a:rPr lang="en-US" sz="2400" dirty="0" smtClean="0">
+                <a:hlinkClick r:id="rId2"/>
+              </a:rPr>
+              <a:t>github.com/GunashekarKoppula/angular_sample_app</a:t>
+            </a:r>
+            <a:r>
+              <a:rPr lang="en-US" sz="2400" dirty="0" smtClean="0"/>
+              <a:t>.</a:t>
+            </a:r>
+            <a:endParaRPr lang="en-US" sz="2400" dirty="0">
+              <a:solidFill>
+                <a:schemeClr val="tx1"/>
+              </a:solidFill>
+            </a:endParaRPr>
           </a:p>
         </p:txBody>
       </p:sp>
     </p:spTree>
     <p:extLst>
       <p:ext uri="{BB962C8B-B14F-4D97-AF65-F5344CB8AC3E}">
-        <p14:creationId xmlns:p14="http://schemas.microsoft.com/office/powerpoint/2010/main" val="1980359767"/>
+        <p14:creationId xmlns:p14="http://schemas.microsoft.com/office/powerpoint/2010/main" val="3834377546"/>
       </p:ext>
     </p:extLst>
   </p:cSld>
@@ -4357,13 +4388,7 @@
       </p:grpSpPr>
       <p:sp>
         <p:nvSpPr>
-          <p:cNvPr id="2" name="Title 1">
-            <a:extLst>
-              <a:ext uri="{FF2B5EF4-FFF2-40B4-BE49-F238E27FC236}">
-                <a16:creationId xmlns:a16="http://schemas.microsoft.com/office/drawing/2014/main" id="{5DCF564D-D260-4B5C-AAE2-449DC98D695A}"/>
-              </a:ext>
-            </a:extLst>
-          </p:cNvPr>
+          <p:cNvPr id="2" name="Title 1"/>
           <p:cNvSpPr>
             <a:spLocks noGrp="1"/>
           </p:cNvSpPr>
@@ -4378,20 +4403,14 @@
           <a:p>
             <a:r>
               <a:rPr lang="en-US" dirty="0"/>
-              <a:t>Custom Directives</a:t>
-            </a:r>
-          </a:p>
-        </p:txBody>
-      </p:sp>
-      <p:sp>
-        <p:nvSpPr>
-          <p:cNvPr id="3" name="Content Placeholder 2">
-            <a:extLst>
-              <a:ext uri="{FF2B5EF4-FFF2-40B4-BE49-F238E27FC236}">
-                <a16:creationId xmlns:a16="http://schemas.microsoft.com/office/drawing/2014/main" id="{BD9C845B-8BAA-4122-850D-C3922F73AAD7}"/>
-              </a:ext>
-            </a:extLst>
-          </p:cNvPr>
+              <a:t>How to invoke APIs</a:t>
+            </a:r>
+          </a:p>
+        </p:txBody>
+      </p:sp>
+      <p:sp>
+        <p:nvSpPr>
+          <p:cNvPr id="3" name="Content Placeholder 2"/>
           <p:cNvSpPr>
             <a:spLocks noGrp="1"/>
           </p:cNvSpPr>
@@ -4410,7 +4429,7 @@
                   <a:schemeClr val="tx1"/>
                 </a:solidFill>
               </a:rPr>
-              <a:t>A Custom directive is used to extend the functionality of HTML.</a:t>
+              <a:t>In Angular JS factory is the most common way to create and configure a service.</a:t>
             </a:r>
           </a:p>
           <a:p>
@@ -4420,7 +4439,7 @@
                   <a:schemeClr val="tx1"/>
                 </a:solidFill>
               </a:rPr>
-              <a:t>We use a directive function to create a custom directive.</a:t>
+              <a:t>We create an object and add properties to it and later we will return the same object.</a:t>
             </a:r>
           </a:p>
           <a:p>
@@ -4430,13 +4449,16 @@
                   <a:schemeClr val="tx1"/>
                 </a:solidFill>
               </a:rPr>
-              <a:t>While using a custom directive the custom tag is replaced with the template of the directive</a:t>
+              <a:t>In our case the properties would be the methods that call the API’s</a:t>
             </a:r>
           </a:p>
           <a:p>
             <a:pPr marL="0" indent="0">
               <a:buNone/>
             </a:pPr>
+            <a:endParaRPr lang="en-US" dirty="0"/>
+          </a:p>
+          <a:p>
             <a:endParaRPr lang="en-US" dirty="0"/>
           </a:p>
         </p:txBody>
@@ -4444,7 +4466,7 @@
     </p:spTree>
     <p:extLst>
       <p:ext uri="{BB962C8B-B14F-4D97-AF65-F5344CB8AC3E}">
-        <p14:creationId xmlns:p14="http://schemas.microsoft.com/office/powerpoint/2010/main" val="4251617314"/>
+        <p14:creationId xmlns:p14="http://schemas.microsoft.com/office/powerpoint/2010/main" val="1980359767"/>
       </p:ext>
     </p:extLst>
   </p:cSld>
@@ -4483,7 +4505,13 @@
       </p:grpSpPr>
       <p:sp>
         <p:nvSpPr>
-          <p:cNvPr id="2" name="Title 1"/>
+          <p:cNvPr id="2" name="Title 1">
+            <a:extLst>
+              <a:ext uri="{FF2B5EF4-FFF2-40B4-BE49-F238E27FC236}">
+                <a16:creationId xmlns:a16="http://schemas.microsoft.com/office/drawing/2014/main" id="{5DCF564D-D260-4B5C-AAE2-449DC98D695A}"/>
+              </a:ext>
+            </a:extLst>
+          </p:cNvPr>
           <p:cNvSpPr>
             <a:spLocks noGrp="1"/>
           </p:cNvSpPr>
@@ -4498,14 +4526,20 @@
           <a:p>
             <a:r>
               <a:rPr lang="en-US" dirty="0"/>
-              <a:t>References</a:t>
-            </a:r>
-          </a:p>
-        </p:txBody>
-      </p:sp>
-      <p:sp>
-        <p:nvSpPr>
-          <p:cNvPr id="3" name="Content Placeholder 2"/>
+              <a:t>Custom Directives</a:t>
+            </a:r>
+          </a:p>
+        </p:txBody>
+      </p:sp>
+      <p:sp>
+        <p:nvSpPr>
+          <p:cNvPr id="3" name="Content Placeholder 2">
+            <a:extLst>
+              <a:ext uri="{FF2B5EF4-FFF2-40B4-BE49-F238E27FC236}">
+                <a16:creationId xmlns:a16="http://schemas.microsoft.com/office/drawing/2014/main" id="{BD9C845B-8BAA-4122-850D-C3922F73AAD7}"/>
+              </a:ext>
+            </a:extLst>
+          </p:cNvPr>
           <p:cNvSpPr>
             <a:spLocks noGrp="1"/>
           </p:cNvSpPr>
@@ -4515,40 +4549,50 @@
         </p:nvSpPr>
         <p:spPr/>
         <p:txBody>
-          <a:bodyPr>
-            <a:normAutofit/>
-          </a:bodyPr>
+          <a:bodyPr/>
           <a:lstStyle/>
           <a:p>
             <a:r>
               <a:rPr lang="en-US" sz="2400" dirty="0">
-                <a:hlinkClick r:id="rId2"/>
-              </a:rPr>
-              <a:t>A Conceptual Introduction to AngularJS</a:t>
-            </a:r>
-            <a:endParaRPr lang="en-US" sz="2400" dirty="0"/>
+                <a:solidFill>
+                  <a:schemeClr val="tx1"/>
+                </a:solidFill>
+              </a:rPr>
+              <a:t>A Custom directive is used to extend the functionality of HTML.</a:t>
+            </a:r>
           </a:p>
           <a:p>
             <a:r>
               <a:rPr lang="en-US" sz="2400" dirty="0">
-                <a:hlinkClick r:id="rId3"/>
-              </a:rPr>
-              <a:t>https://angular.io/</a:t>
-            </a:r>
-            <a:r>
-              <a:rPr lang="en-US" sz="2400" dirty="0"/>
-              <a:t>.</a:t>
-            </a:r>
-          </a:p>
-          <a:p>
-            <a:endParaRPr lang="en-US" sz="2400" dirty="0"/>
+                <a:solidFill>
+                  <a:schemeClr val="tx1"/>
+                </a:solidFill>
+              </a:rPr>
+              <a:t>We use a directive function to create a custom directive.</a:t>
+            </a:r>
+          </a:p>
+          <a:p>
+            <a:r>
+              <a:rPr lang="en-US" sz="2400" dirty="0">
+                <a:solidFill>
+                  <a:schemeClr val="tx1"/>
+                </a:solidFill>
+              </a:rPr>
+              <a:t>While using a custom directive the custom tag is replaced with the template of the directive</a:t>
+            </a:r>
+          </a:p>
+          <a:p>
+            <a:pPr marL="0" indent="0">
+              <a:buNone/>
+            </a:pPr>
+            <a:endParaRPr lang="en-US" dirty="0"/>
           </a:p>
         </p:txBody>
       </p:sp>
     </p:spTree>
     <p:extLst>
       <p:ext uri="{BB962C8B-B14F-4D97-AF65-F5344CB8AC3E}">
-        <p14:creationId xmlns:p14="http://schemas.microsoft.com/office/powerpoint/2010/main" val="2640555480"/>
+        <p14:creationId xmlns:p14="http://schemas.microsoft.com/office/powerpoint/2010/main" val="4251617314"/>
       </p:ext>
     </p:extLst>
   </p:cSld>
@@ -4592,6 +4636,110 @@
             <a:spLocks noGrp="1"/>
           </p:cNvSpPr>
           <p:nvPr>
+            <p:ph type="title"/>
+          </p:nvPr>
+        </p:nvSpPr>
+        <p:spPr/>
+        <p:txBody>
+          <a:bodyPr/>
+          <a:lstStyle/>
+          <a:p>
+            <a:r>
+              <a:rPr lang="en-US" dirty="0"/>
+              <a:t>References</a:t>
+            </a:r>
+          </a:p>
+        </p:txBody>
+      </p:sp>
+      <p:sp>
+        <p:nvSpPr>
+          <p:cNvPr id="3" name="Content Placeholder 2"/>
+          <p:cNvSpPr>
+            <a:spLocks noGrp="1"/>
+          </p:cNvSpPr>
+          <p:nvPr>
+            <p:ph idx="1"/>
+          </p:nvPr>
+        </p:nvSpPr>
+        <p:spPr/>
+        <p:txBody>
+          <a:bodyPr>
+            <a:normAutofit/>
+          </a:bodyPr>
+          <a:lstStyle/>
+          <a:p>
+            <a:r>
+              <a:rPr lang="en-US" sz="2400" dirty="0">
+                <a:hlinkClick r:id="rId2"/>
+              </a:rPr>
+              <a:t>A Conceptual Introduction to AngularJS</a:t>
+            </a:r>
+            <a:endParaRPr lang="en-US" sz="2400" dirty="0"/>
+          </a:p>
+          <a:p>
+            <a:r>
+              <a:rPr lang="en-US" sz="2400" dirty="0">
+                <a:hlinkClick r:id="rId3"/>
+              </a:rPr>
+              <a:t>https://angular.io/</a:t>
+            </a:r>
+            <a:r>
+              <a:rPr lang="en-US" sz="2400" dirty="0"/>
+              <a:t>.</a:t>
+            </a:r>
+          </a:p>
+          <a:p>
+            <a:endParaRPr lang="en-US" sz="2400" dirty="0"/>
+          </a:p>
+        </p:txBody>
+      </p:sp>
+    </p:spTree>
+    <p:extLst>
+      <p:ext uri="{BB962C8B-B14F-4D97-AF65-F5344CB8AC3E}">
+        <p14:creationId xmlns:p14="http://schemas.microsoft.com/office/powerpoint/2010/main" val="2640555480"/>
+      </p:ext>
+    </p:extLst>
+  </p:cSld>
+  <p:clrMapOvr>
+    <a:masterClrMapping/>
+  </p:clrMapOvr>
+  <p:transition spd="slow">
+    <p:push dir="u"/>
+  </p:transition>
+  <p:timing>
+    <p:tnLst>
+      <p:par>
+        <p:cTn id="1" dur="indefinite" restart="never" nodeType="tmRoot"/>
+      </p:par>
+    </p:tnLst>
+  </p:timing>
+</p:sld>
+</file>
+
+<file path=ppt/slides/slide18.xml><?xml version="1.0" encoding="utf-8"?>
+<p:sld xmlns:a="http://schemas.openxmlformats.org/drawingml/2006/main" xmlns:r="http://schemas.openxmlformats.org/officeDocument/2006/relationships" xmlns:p="http://schemas.openxmlformats.org/presentationml/2006/main">
+  <p:cSld>
+    <p:spTree>
+      <p:nvGrpSpPr>
+        <p:cNvPr id="1" name=""/>
+        <p:cNvGrpSpPr/>
+        <p:nvPr/>
+      </p:nvGrpSpPr>
+      <p:grpSpPr>
+        <a:xfrm>
+          <a:off x="0" y="0"/>
+          <a:ext cx="0" cy="0"/>
+          <a:chOff x="0" y="0"/>
+          <a:chExt cx="0" cy="0"/>
+        </a:xfrm>
+      </p:grpSpPr>
+      <p:sp>
+        <p:nvSpPr>
+          <p:cNvPr id="2" name="Title 1"/>
+          <p:cNvSpPr>
+            <a:spLocks noGrp="1"/>
+          </p:cNvSpPr>
+          <p:nvPr>
             <p:ph type="ctrTitle"/>
           </p:nvPr>
         </p:nvSpPr>
@@ -4649,7 +4797,7 @@
 </p:sld>
 </file>
 
-<file path=ppt/slides/slide18.xml><?xml version="1.0" encoding="utf-8"?>
+<file path=ppt/slides/slide19.xml><?xml version="1.0" encoding="utf-8"?>
 <p:sld xmlns:a="http://schemas.openxmlformats.org/drawingml/2006/main" xmlns:r="http://schemas.openxmlformats.org/officeDocument/2006/relationships" xmlns:p="http://schemas.openxmlformats.org/presentationml/2006/main">
   <p:cSld>
     <p:spTree>
@@ -5822,7 +5970,7 @@
         <p:spPr/>
         <p:txBody>
           <a:bodyPr>
-            <a:normAutofit fontScale="92500" lnSpcReduction="10000"/>
+            <a:normAutofit/>
           </a:bodyPr>
           <a:lstStyle/>
           <a:p>
@@ -5888,58 +6036,54 @@
                   <a:srgbClr val="92D050"/>
                 </a:solidFill>
               </a:rPr>
-              <a:t>:  </a:t>
-            </a:r>
-            <a:r>
-              <a:rPr lang="en-US" sz="2400" b="1" dirty="0"/>
+              <a:t>: </a:t>
+            </a:r>
+            <a:r>
+              <a:rPr lang="en-US" sz="2400" b="1" dirty="0" smtClean="0">
+                <a:solidFill>
+                  <a:srgbClr val="92D050"/>
+                </a:solidFill>
+              </a:rPr>
+              <a:t> </a:t>
+            </a:r>
+            <a:r>
+              <a:rPr lang="en-US" sz="2400" b="1" dirty="0" smtClean="0"/>
               <a:t>&lt;script </a:t>
             </a:r>
             <a:r>
-              <a:rPr lang="en-US" sz="2400" b="1" dirty="0" err="1"/>
+              <a:rPr lang="en-US" sz="2400" b="1" dirty="0" err="1" smtClean="0"/>
               <a:t>src</a:t>
             </a:r>
             <a:r>
-              <a:rPr lang="en-US" sz="2400" b="1" dirty="0"/>
+              <a:rPr lang="en-US" sz="2400" b="1" dirty="0" smtClean="0"/>
               <a:t>="https://ajax.googleapis.com/ajax/libs/</a:t>
             </a:r>
             <a:r>
-              <a:rPr lang="en-US" sz="2400" b="1" dirty="0" err="1"/>
+              <a:rPr lang="en-US" sz="2400" b="1" dirty="0" err="1" smtClean="0"/>
               <a:t>angularjs</a:t>
             </a:r>
             <a:r>
-              <a:rPr lang="en-US" sz="2400" b="1" dirty="0"/>
+              <a:rPr lang="en-US" sz="2400" b="1" dirty="0" smtClean="0"/>
               <a:t>/1.6.9/angular.min.js"&gt;&lt;/script&gt;</a:t>
             </a:r>
-          </a:p>
-          <a:p>
+            <a:endParaRPr lang="en-US" sz="2400" b="1" dirty="0"/>
+          </a:p>
+          <a:p>
+            <a:r>
+              <a:rPr lang="en-US" sz="2400" dirty="0" smtClean="0">
+                <a:solidFill>
+                  <a:schemeClr val="tx1"/>
+                </a:solidFill>
+              </a:rPr>
+              <a:t>Setup </a:t>
+            </a:r>
             <a:r>
               <a:rPr lang="en-US" sz="2400" dirty="0">
                 <a:solidFill>
                   <a:schemeClr val="tx1"/>
                 </a:solidFill>
               </a:rPr>
-              <a:t>Clone Repository </a:t>
-            </a:r>
-            <a:r>
-              <a:rPr lang="en-US" sz="2400" dirty="0">
-                <a:hlinkClick r:id="rId3"/>
-              </a:rPr>
-              <a:t>https://github.com/GunashekarKoppula/angular_sample_app</a:t>
-            </a:r>
-            <a:endParaRPr lang="en-US" sz="2400" dirty="0">
-              <a:solidFill>
-                <a:schemeClr val="tx1"/>
-              </a:solidFill>
-            </a:endParaRPr>
-          </a:p>
-          <a:p>
-            <a:r>
-              <a:rPr lang="en-US" sz="2400" dirty="0">
-                <a:solidFill>
-                  <a:schemeClr val="tx1"/>
-                </a:solidFill>
-              </a:rPr>
-              <a:t>Setup IntelliSense on VS code using </a:t>
+              <a:t>IntelliSense on VS code using </a:t>
             </a:r>
           </a:p>
           <a:p>
@@ -6259,12 +6403,12 @@
               <a:t>     </a:t>
             </a:r>
             <a:r>
-              <a:rPr lang="en-US" sz="2400" dirty="0" err="1">
-                <a:solidFill>
-                  <a:schemeClr val="tx1"/>
-                </a:solidFill>
-              </a:rPr>
-              <a:t>var</a:t>
+              <a:rPr lang="en-US" sz="2400" dirty="0" smtClean="0">
+                <a:solidFill>
+                  <a:schemeClr val="tx1"/>
+                </a:solidFill>
+              </a:rPr>
+              <a:t>let </a:t>
             </a:r>
             <a:r>
               <a:rPr lang="en-US" sz="2400" dirty="0">
@@ -6272,7 +6416,7 @@
                   <a:schemeClr val="tx1"/>
                 </a:solidFill>
               </a:rPr>
-              <a:t> app = </a:t>
+              <a:t>app = </a:t>
             </a:r>
             <a:r>
               <a:rPr lang="en-US" sz="2400" dirty="0" err="1">
@@ -6738,20 +6882,12 @@
               <a:t>     </a:t>
             </a:r>
             <a:r>
-              <a:rPr lang="en-US" sz="2400" dirty="0" err="1">
-                <a:solidFill>
-                  <a:schemeClr val="tx1"/>
-                </a:solidFill>
-              </a:rPr>
-              <a:t>var</a:t>
-            </a:r>
-            <a:r>
-              <a:rPr lang="en-US" sz="2400" dirty="0">
-                <a:solidFill>
-                  <a:schemeClr val="tx1"/>
-                </a:solidFill>
-              </a:rPr>
-              <a:t> </a:t>
+              <a:rPr lang="en-US" sz="2400" dirty="0" smtClean="0">
+                <a:solidFill>
+                  <a:schemeClr val="tx1"/>
+                </a:solidFill>
+              </a:rPr>
+              <a:t>let </a:t>
             </a:r>
             <a:r>
               <a:rPr lang="en-US" sz="2400" dirty="0" err="1">
